--- a/Presentation/Project Presentation - Shaked Aharon.pptx
+++ b/Presentation/Project Presentation - Shaked Aharon.pptx
@@ -247,7 +247,7 @@
           <a:p>
             <a:fld id="{344847AB-3B75-FF4A-B0A2-6BEB5C2F7506}" type="datetimeFigureOut">
               <a:rPr lang="en-US" smtClean="0"/>
-              <a:t>6/11/2019</a:t>
+              <a:t>6/15/2019</a:t>
             </a:fld>
             <a:endParaRPr lang="en-US"/>
           </a:p>
@@ -32595,7 +32595,7 @@
           <p:nvPr>
             <p:extLst>
               <p:ext uri="{D42A27DB-BD31-4B8C-83A1-F6EECF244321}">
-                <p14:modId xmlns:p14="http://schemas.microsoft.com/office/powerpoint/2010/main" val="3212392278"/>
+                <p14:modId xmlns:p14="http://schemas.microsoft.com/office/powerpoint/2010/main" val="2309886469"/>
               </p:ext>
             </p:extLst>
           </p:nvPr>
@@ -33522,10 +33522,10 @@
       </p:sp>
       <p:pic>
         <p:nvPicPr>
-          <p:cNvPr id="2" name="תמונה 1">
+          <p:cNvPr id="4" name="תמונה 3">
             <a:extLst>
               <a:ext uri="{FF2B5EF4-FFF2-40B4-BE49-F238E27FC236}">
-                <a16:creationId xmlns:a16="http://schemas.microsoft.com/office/drawing/2014/main" id="{4D0BD52C-206C-4590-B492-CBD0F46128DF}"/>
+                <a16:creationId xmlns:a16="http://schemas.microsoft.com/office/drawing/2014/main" id="{7D89F35B-E21C-4582-BBC1-827493FD19CE}"/>
               </a:ext>
             </a:extLst>
           </p:cNvPr>
@@ -33542,8 +33542,98 @@
         </p:blipFill>
         <p:spPr>
           <a:xfrm>
-            <a:off x="5113642" y="871651"/>
-            <a:ext cx="7029025" cy="5886447"/>
+            <a:off x="8542163" y="3876386"/>
+            <a:ext cx="3506448" cy="2881712"/>
+          </a:xfrm>
+          <a:prstGeom prst="rect">
+            <a:avLst/>
+          </a:prstGeom>
+        </p:spPr>
+      </p:pic>
+      <p:pic>
+        <p:nvPicPr>
+          <p:cNvPr id="9" name="תמונה 8">
+            <a:extLst>
+              <a:ext uri="{FF2B5EF4-FFF2-40B4-BE49-F238E27FC236}">
+                <a16:creationId xmlns:a16="http://schemas.microsoft.com/office/drawing/2014/main" id="{12F6A9A4-2845-4384-A247-695E1096F9FB}"/>
+              </a:ext>
+            </a:extLst>
+          </p:cNvPr>
+          <p:cNvPicPr>
+            <a:picLocks noChangeAspect="1"/>
+          </p:cNvPicPr>
+          <p:nvPr/>
+        </p:nvPicPr>
+        <p:blipFill>
+          <a:blip r:embed="rId8"/>
+          <a:stretch>
+            <a:fillRect/>
+          </a:stretch>
+        </p:blipFill>
+        <p:spPr>
+          <a:xfrm>
+            <a:off x="8542163" y="895127"/>
+            <a:ext cx="3506448" cy="2881712"/>
+          </a:xfrm>
+          <a:prstGeom prst="rect">
+            <a:avLst/>
+          </a:prstGeom>
+        </p:spPr>
+      </p:pic>
+      <p:pic>
+        <p:nvPicPr>
+          <p:cNvPr id="15" name="תמונה 14">
+            <a:extLst>
+              <a:ext uri="{FF2B5EF4-FFF2-40B4-BE49-F238E27FC236}">
+                <a16:creationId xmlns:a16="http://schemas.microsoft.com/office/drawing/2014/main" id="{98160BC6-30B7-40D9-9405-8DF92F6772F0}"/>
+              </a:ext>
+            </a:extLst>
+          </p:cNvPr>
+          <p:cNvPicPr>
+            <a:picLocks noChangeAspect="1"/>
+          </p:cNvPicPr>
+          <p:nvPr/>
+        </p:nvPicPr>
+        <p:blipFill>
+          <a:blip r:embed="rId9"/>
+          <a:stretch>
+            <a:fillRect/>
+          </a:stretch>
+        </p:blipFill>
+        <p:spPr>
+          <a:xfrm>
+            <a:off x="5035715" y="895127"/>
+            <a:ext cx="3506448" cy="2881712"/>
+          </a:xfrm>
+          <a:prstGeom prst="rect">
+            <a:avLst/>
+          </a:prstGeom>
+        </p:spPr>
+      </p:pic>
+      <p:pic>
+        <p:nvPicPr>
+          <p:cNvPr id="17" name="תמונה 16">
+            <a:extLst>
+              <a:ext uri="{FF2B5EF4-FFF2-40B4-BE49-F238E27FC236}">
+                <a16:creationId xmlns:a16="http://schemas.microsoft.com/office/drawing/2014/main" id="{BF1F02D5-0E5E-41D4-90C3-4B9E2A1EC77F}"/>
+              </a:ext>
+            </a:extLst>
+          </p:cNvPr>
+          <p:cNvPicPr>
+            <a:picLocks noChangeAspect="1"/>
+          </p:cNvPicPr>
+          <p:nvPr/>
+        </p:nvPicPr>
+        <p:blipFill>
+          <a:blip r:embed="rId10"/>
+          <a:stretch>
+            <a:fillRect/>
+          </a:stretch>
+        </p:blipFill>
+        <p:spPr>
+          <a:xfrm>
+            <a:off x="5035715" y="3876386"/>
+            <a:ext cx="3506448" cy="2881712"/>
           </a:xfrm>
           <a:prstGeom prst="rect">
             <a:avLst/>
@@ -33679,26 +33769,35 @@
                                   </p:childTnLst>
                                 </p:cTn>
                               </p:par>
-                            </p:childTnLst>
-                          </p:cTn>
-                        </p:par>
-                      </p:childTnLst>
-                    </p:cTn>
-                  </p:par>
-                  <p:par>
-                    <p:cTn id="13" fill="hold">
-                      <p:stCondLst>
-                        <p:cond delay="indefinite"/>
-                      </p:stCondLst>
-                      <p:childTnLst>
-                        <p:par>
-                          <p:cTn id="14" fill="hold">
-                            <p:stCondLst>
-                              <p:cond delay="0"/>
-                            </p:stCondLst>
-                            <p:childTnLst>
                               <p:par>
-                                <p:cTn id="15" presetID="1" presetClass="entr" presetSubtype="0" fill="hold" grpId="0" nodeType="clickEffect">
+                                <p:cTn id="13" presetID="1" presetClass="entr" presetSubtype="0" fill="hold" nodeType="withEffect">
+                                  <p:stCondLst>
+                                    <p:cond delay="0"/>
+                                  </p:stCondLst>
+                                  <p:childTnLst>
+                                    <p:set>
+                                      <p:cBhvr>
+                                        <p:cTn id="14" dur="1" fill="hold">
+                                          <p:stCondLst>
+                                            <p:cond delay="0"/>
+                                          </p:stCondLst>
+                                        </p:cTn>
+                                        <p:tgtEl>
+                                          <p:spTgt spid="15"/>
+                                        </p:tgtEl>
+                                        <p:attrNameLst>
+                                          <p:attrName>style.visibility</p:attrName>
+                                        </p:attrNameLst>
+                                      </p:cBhvr>
+                                      <p:to>
+                                        <p:strVal val="visible"/>
+                                      </p:to>
+                                    </p:set>
+                                  </p:childTnLst>
+                                </p:cTn>
+                              </p:par>
+                              <p:par>
+                                <p:cTn id="15" presetID="1" presetClass="entr" presetSubtype="0" fill="hold" nodeType="withEffect">
                                   <p:stCondLst>
                                     <p:cond delay="0"/>
                                   </p:stCondLst>
@@ -33711,11 +33810,7 @@
                                           </p:stCondLst>
                                         </p:cTn>
                                         <p:tgtEl>
-                                          <p:spTgt spid="8">
-                                            <p:txEl>
-                                              <p:pRg st="0" end="0"/>
-                                            </p:txEl>
-                                          </p:spTgt>
+                                          <p:spTgt spid="9"/>
                                         </p:tgtEl>
                                         <p:attrNameLst>
                                           <p:attrName>style.visibility</p:attrName>
@@ -33728,26 +33823,35 @@
                                   </p:childTnLst>
                                 </p:cTn>
                               </p:par>
-                            </p:childTnLst>
-                          </p:cTn>
-                        </p:par>
-                      </p:childTnLst>
-                    </p:cTn>
-                  </p:par>
-                  <p:par>
-                    <p:cTn id="17" fill="hold">
-                      <p:stCondLst>
-                        <p:cond delay="indefinite"/>
-                      </p:stCondLst>
-                      <p:childTnLst>
-                        <p:par>
-                          <p:cTn id="18" fill="hold">
-                            <p:stCondLst>
-                              <p:cond delay="0"/>
-                            </p:stCondLst>
-                            <p:childTnLst>
                               <p:par>
-                                <p:cTn id="19" presetID="1" presetClass="entr" presetSubtype="0" fill="hold" grpId="0" nodeType="clickEffect">
+                                <p:cTn id="17" presetID="1" presetClass="entr" presetSubtype="0" fill="hold" nodeType="withEffect">
+                                  <p:stCondLst>
+                                    <p:cond delay="0"/>
+                                  </p:stCondLst>
+                                  <p:childTnLst>
+                                    <p:set>
+                                      <p:cBhvr>
+                                        <p:cTn id="18" dur="1" fill="hold">
+                                          <p:stCondLst>
+                                            <p:cond delay="0"/>
+                                          </p:stCondLst>
+                                        </p:cTn>
+                                        <p:tgtEl>
+                                          <p:spTgt spid="4"/>
+                                        </p:tgtEl>
+                                        <p:attrNameLst>
+                                          <p:attrName>style.visibility</p:attrName>
+                                        </p:attrNameLst>
+                                      </p:cBhvr>
+                                      <p:to>
+                                        <p:strVal val="visible"/>
+                                      </p:to>
+                                    </p:set>
+                                  </p:childTnLst>
+                                </p:cTn>
+                              </p:par>
+                              <p:par>
+                                <p:cTn id="19" presetID="1" presetClass="entr" presetSubtype="0" fill="hold" nodeType="withEffect">
                                   <p:stCondLst>
                                     <p:cond delay="0"/>
                                   </p:stCondLst>
@@ -33760,11 +33864,7 @@
                                           </p:stCondLst>
                                         </p:cTn>
                                         <p:tgtEl>
-                                          <p:spTgt spid="8">
-                                            <p:txEl>
-                                              <p:pRg st="1" end="1"/>
-                                            </p:txEl>
-                                          </p:spTgt>
+                                          <p:spTgt spid="17"/>
                                         </p:tgtEl>
                                         <p:attrNameLst>
                                           <p:attrName>style.visibility</p:attrName>
@@ -33804,6 +33904,104 @@
                                     <p:set>
                                       <p:cBhvr>
                                         <p:cTn id="24" dur="1" fill="hold">
+                                          <p:stCondLst>
+                                            <p:cond delay="0"/>
+                                          </p:stCondLst>
+                                        </p:cTn>
+                                        <p:tgtEl>
+                                          <p:spTgt spid="8">
+                                            <p:txEl>
+                                              <p:pRg st="0" end="0"/>
+                                            </p:txEl>
+                                          </p:spTgt>
+                                        </p:tgtEl>
+                                        <p:attrNameLst>
+                                          <p:attrName>style.visibility</p:attrName>
+                                        </p:attrNameLst>
+                                      </p:cBhvr>
+                                      <p:to>
+                                        <p:strVal val="visible"/>
+                                      </p:to>
+                                    </p:set>
+                                  </p:childTnLst>
+                                </p:cTn>
+                              </p:par>
+                            </p:childTnLst>
+                          </p:cTn>
+                        </p:par>
+                      </p:childTnLst>
+                    </p:cTn>
+                  </p:par>
+                  <p:par>
+                    <p:cTn id="25" fill="hold">
+                      <p:stCondLst>
+                        <p:cond delay="indefinite"/>
+                      </p:stCondLst>
+                      <p:childTnLst>
+                        <p:par>
+                          <p:cTn id="26" fill="hold">
+                            <p:stCondLst>
+                              <p:cond delay="0"/>
+                            </p:stCondLst>
+                            <p:childTnLst>
+                              <p:par>
+                                <p:cTn id="27" presetID="1" presetClass="entr" presetSubtype="0" fill="hold" grpId="0" nodeType="clickEffect">
+                                  <p:stCondLst>
+                                    <p:cond delay="0"/>
+                                  </p:stCondLst>
+                                  <p:childTnLst>
+                                    <p:set>
+                                      <p:cBhvr>
+                                        <p:cTn id="28" dur="1" fill="hold">
+                                          <p:stCondLst>
+                                            <p:cond delay="0"/>
+                                          </p:stCondLst>
+                                        </p:cTn>
+                                        <p:tgtEl>
+                                          <p:spTgt spid="8">
+                                            <p:txEl>
+                                              <p:pRg st="1" end="1"/>
+                                            </p:txEl>
+                                          </p:spTgt>
+                                        </p:tgtEl>
+                                        <p:attrNameLst>
+                                          <p:attrName>style.visibility</p:attrName>
+                                        </p:attrNameLst>
+                                      </p:cBhvr>
+                                      <p:to>
+                                        <p:strVal val="visible"/>
+                                      </p:to>
+                                    </p:set>
+                                  </p:childTnLst>
+                                </p:cTn>
+                              </p:par>
+                            </p:childTnLst>
+                          </p:cTn>
+                        </p:par>
+                      </p:childTnLst>
+                    </p:cTn>
+                  </p:par>
+                  <p:par>
+                    <p:cTn id="29" fill="hold">
+                      <p:stCondLst>
+                        <p:cond delay="indefinite"/>
+                      </p:stCondLst>
+                      <p:childTnLst>
+                        <p:par>
+                          <p:cTn id="30" fill="hold">
+                            <p:stCondLst>
+                              <p:cond delay="0"/>
+                            </p:stCondLst>
+                            <p:childTnLst>
+                              <p:par>
+                                <p:cTn id="31" presetID="1" presetClass="entr" presetSubtype="0" fill="hold" grpId="0" nodeType="clickEffect">
+                                  <p:stCondLst>
+                                    <p:cond delay="0"/>
+                                  </p:stCondLst>
+                                  <p:childTnLst>
+                                    <p:set>
+                                      <p:cBhvr>
+                                        <p:cTn id="32" dur="1" fill="hold">
                                           <p:stCondLst>
                                             <p:cond delay="0"/>
                                           </p:stCondLst>
@@ -33988,7 +34186,7 @@
           <p:nvPr>
             <p:extLst>
               <p:ext uri="{D42A27DB-BD31-4B8C-83A1-F6EECF244321}">
-                <p14:modId xmlns:p14="http://schemas.microsoft.com/office/powerpoint/2010/main" val="2745233601"/>
+                <p14:modId xmlns:p14="http://schemas.microsoft.com/office/powerpoint/2010/main" val="2431363903"/>
               </p:ext>
             </p:extLst>
           </p:nvPr>
@@ -34153,7 +34351,7 @@
                       <a:r>
                         <a:rPr lang="en-US" sz="1900" b="0" i="0" dirty="0">
                           <a:solidFill>
-                            <a:schemeClr val="tx1"/>
+                            <a:srgbClr val="00B050"/>
                           </a:solidFill>
                           <a:latin typeface="Titillium" charset="0"/>
                           <a:ea typeface="Titillium" charset="0"/>
@@ -34164,7 +34362,51 @@
                       <a:r>
                         <a:rPr lang="en-US" sz="1900" b="0" i="0" kern="1200" dirty="0">
                           <a:solidFill>
+                            <a:srgbClr val="00B050"/>
+                          </a:solidFill>
+                          <a:latin typeface="Titillium" charset="0"/>
+                          <a:ea typeface="Titillium" charset="0"/>
+                          <a:cs typeface="Titillium" charset="0"/>
+                        </a:rPr>
+                        <a:t>52.07</a:t>
+                      </a:r>
+                      <a:r>
+                        <a:rPr lang="en-US" sz="1900" b="0" i="0" kern="1200" dirty="0">
+                          <a:solidFill>
+                            <a:srgbClr val="00B050"/>
+                          </a:solidFill>
+                          <a:latin typeface="Titillium" charset="0"/>
+                          <a:ea typeface="Titillium Bd" charset="0"/>
+                          <a:cs typeface="Titillium Bd" charset="0"/>
+                        </a:rPr>
+                        <a:t>%)</a:t>
+                      </a:r>
+                      <a:r>
+                        <a:rPr lang="en-US" sz="1900" b="0" i="0" kern="1200" dirty="0">
+                          <a:solidFill>
                             <a:schemeClr val="tx1"/>
+                          </a:solidFill>
+                          <a:latin typeface="Titillium" charset="0"/>
+                          <a:ea typeface="Titillium Bd" charset="0"/>
+                          <a:cs typeface="Titillium Bd" charset="0"/>
+                        </a:rPr>
+                        <a:t> </a:t>
+                      </a:r>
+                      <a:r>
+                        <a:rPr lang="en-US" sz="1900" b="0" i="0" dirty="0">
+                          <a:solidFill>
+                            <a:srgbClr val="0070C0"/>
+                          </a:solidFill>
+                          <a:latin typeface="Titillium" charset="0"/>
+                          <a:ea typeface="Titillium" charset="0"/>
+                          <a:cs typeface="Titillium" charset="0"/>
+                        </a:rPr>
+                        <a:t>(</a:t>
+                      </a:r>
+                      <a:r>
+                        <a:rPr lang="en-US" sz="1900" b="0" i="0" kern="1200" dirty="0">
+                          <a:solidFill>
+                            <a:srgbClr val="0070C0"/>
                           </a:solidFill>
                           <a:latin typeface="Titillium" charset="0"/>
                           <a:ea typeface="Titillium" charset="0"/>
@@ -34175,13 +34417,13 @@
                       <a:r>
                         <a:rPr lang="en-US" sz="1900" b="0" i="0" kern="1200" dirty="0">
                           <a:solidFill>
-                            <a:schemeClr val="tx1"/>
+                            <a:srgbClr val="0070C0"/>
                           </a:solidFill>
                           <a:latin typeface="Titillium" charset="0"/>
                           <a:ea typeface="Titillium Bd" charset="0"/>
                           <a:cs typeface="Titillium Bd" charset="0"/>
                         </a:rPr>
-                        <a:t>.79%)</a:t>
+                        <a:t>.69%)</a:t>
                       </a:r>
                     </a:p>
                   </a:txBody>
@@ -34276,7 +34518,7 @@
                       <a:r>
                         <a:rPr lang="en-US" sz="1900" b="0" i="0" dirty="0">
                           <a:solidFill>
-                            <a:schemeClr val="tx1"/>
+                            <a:srgbClr val="00B050"/>
                           </a:solidFill>
                           <a:latin typeface="Titillium" charset="0"/>
                           <a:ea typeface="Titillium" charset="0"/>
@@ -34287,13 +34529,68 @@
                       <a:r>
                         <a:rPr lang="en-US" sz="1900" b="0" i="0" kern="1200" dirty="0">
                           <a:solidFill>
+                            <a:srgbClr val="00B050"/>
+                          </a:solidFill>
+                          <a:latin typeface="Titillium" charset="0"/>
+                          <a:ea typeface="Titillium" charset="0"/>
+                          <a:cs typeface="Titillium" charset="0"/>
+                        </a:rPr>
+                        <a:t>47.18</a:t>
+                      </a:r>
+                      <a:r>
+                        <a:rPr lang="en-US" sz="1900" b="0" i="0" kern="1200" dirty="0">
+                          <a:solidFill>
+                            <a:srgbClr val="00B050"/>
+                          </a:solidFill>
+                          <a:latin typeface="Titillium" charset="0"/>
+                          <a:ea typeface="Titillium Bd" charset="0"/>
+                          <a:cs typeface="Titillium Bd" charset="0"/>
+                        </a:rPr>
+                        <a:t>%)</a:t>
+                      </a:r>
+                      <a:r>
+                        <a:rPr lang="en-US" sz="1900" b="0" i="0" kern="1200" dirty="0">
+                          <a:solidFill>
                             <a:schemeClr val="tx1"/>
                           </a:solidFill>
                           <a:latin typeface="Titillium" charset="0"/>
                           <a:ea typeface="Titillium Bd" charset="0"/>
                           <a:cs typeface="Titillium Bd" charset="0"/>
                         </a:rPr>
-                        <a:t>77.68%)</a:t>
+                        <a:t> </a:t>
+                      </a:r>
+                      <a:r>
+                        <a:rPr lang="en-US" sz="1900" b="0" i="0" dirty="0">
+                          <a:solidFill>
+                            <a:srgbClr val="0070C0"/>
+                          </a:solidFill>
+                          <a:latin typeface="Titillium" charset="0"/>
+                          <a:ea typeface="Titillium" charset="0"/>
+                          <a:cs typeface="Titillium" charset="0"/>
+                        </a:rPr>
+                        <a:t>(</a:t>
+                      </a:r>
+                      <a:r>
+                        <a:rPr lang="en-US" sz="1900" b="0" i="0" kern="1200" dirty="0">
+                          <a:solidFill>
+                            <a:srgbClr val="0070C0"/>
+                          </a:solidFill>
+                          <a:latin typeface="Titillium" charset="0"/>
+                          <a:ea typeface="Titillium" charset="0"/>
+                          <a:cs typeface="Titillium" charset="0"/>
+                        </a:rPr>
+                        <a:t>77.37</a:t>
+                      </a:r>
+                      <a:r>
+                        <a:rPr lang="en-US" sz="1900" b="0" i="0" kern="1200" dirty="0">
+                          <a:solidFill>
+                            <a:srgbClr val="0070C0"/>
+                          </a:solidFill>
+                          <a:latin typeface="Titillium" charset="0"/>
+                          <a:ea typeface="Titillium Bd" charset="0"/>
+                          <a:cs typeface="Titillium Bd" charset="0"/>
+                        </a:rPr>
+                        <a:t>%)</a:t>
                       </a:r>
                     </a:p>
                   </a:txBody>
@@ -34347,7 +34644,7 @@
                     <a:p>
                       <a:pPr algn="ctr"/>
                       <a:r>
-                        <a:rPr lang="en-US" sz="1900" b="0" i="0" dirty="0">
+                        <a:rPr lang="en-US" sz="1900" b="1" i="0" u="none" dirty="0">
                           <a:solidFill>
                             <a:schemeClr val="tx1"/>
                           </a:solidFill>
@@ -34377,15 +34674,81 @@
                         <a:defRPr/>
                       </a:pPr>
                       <a:r>
-                        <a:rPr lang="en-US" sz="1900" b="1" i="0" dirty="0">
+                        <a:rPr lang="en-US" sz="1900" b="1" i="0" u="none" dirty="0">
                           <a:solidFill>
-                            <a:schemeClr val="tx1"/>
+                            <a:srgbClr val="00B050"/>
                           </a:solidFill>
                           <a:latin typeface="Titillium" charset="0"/>
                           <a:ea typeface="Titillium" charset="0"/>
                           <a:cs typeface="Titillium" charset="0"/>
                         </a:rPr>
-                        <a:t>(88.39%)</a:t>
+                        <a:t>(</a:t>
+                      </a:r>
+                      <a:r>
+                        <a:rPr lang="en-US" sz="1900" b="1" i="0" u="none" kern="1200" dirty="0">
+                          <a:solidFill>
+                            <a:srgbClr val="00B050"/>
+                          </a:solidFill>
+                          <a:latin typeface="Titillium" charset="0"/>
+                          <a:ea typeface="Titillium" charset="0"/>
+                          <a:cs typeface="Titillium" charset="0"/>
+                        </a:rPr>
+                        <a:t>75.38</a:t>
+                      </a:r>
+                      <a:r>
+                        <a:rPr lang="en-US" sz="1900" b="1" i="0" u="none" kern="1200" dirty="0">
+                          <a:solidFill>
+                            <a:srgbClr val="00B050"/>
+                          </a:solidFill>
+                          <a:latin typeface="Titillium" charset="0"/>
+                          <a:ea typeface="Titillium Bd" charset="0"/>
+                          <a:cs typeface="Titillium Bd" charset="0"/>
+                        </a:rPr>
+                        <a:t>%)</a:t>
+                      </a:r>
+                      <a:r>
+                        <a:rPr lang="en-US" sz="1900" b="1" i="0" u="none" kern="1200" dirty="0">
+                          <a:solidFill>
+                            <a:schemeClr val="tx1"/>
+                          </a:solidFill>
+                          <a:latin typeface="Titillium" charset="0"/>
+                          <a:ea typeface="Titillium Bd" charset="0"/>
+                          <a:cs typeface="Titillium Bd" charset="0"/>
+                        </a:rPr>
+                        <a:t> </a:t>
+                      </a:r>
+                      <a:r>
+                        <a:rPr lang="en-US" sz="1900" b="1" i="0" u="none" dirty="0">
+                          <a:solidFill>
+                            <a:srgbClr val="0070C0"/>
+                          </a:solidFill>
+                          <a:latin typeface="Titillium" charset="0"/>
+                          <a:ea typeface="Titillium" charset="0"/>
+                          <a:cs typeface="Titillium" charset="0"/>
+                        </a:rPr>
+                        <a:t>(</a:t>
+                      </a:r>
+                      <a:r>
+                        <a:rPr lang="en-US" sz="1900" b="1" i="0" u="none" kern="1200" dirty="0">
+                          <a:solidFill>
+                            <a:srgbClr val="0070C0"/>
+                          </a:solidFill>
+                          <a:latin typeface="Titillium" charset="0"/>
+                          <a:ea typeface="Titillium" charset="0"/>
+                          <a:cs typeface="Titillium" charset="0"/>
+                        </a:rPr>
+                        <a:t>87.89</a:t>
+                      </a:r>
+                      <a:r>
+                        <a:rPr lang="en-US" sz="1900" b="1" i="0" u="none" kern="1200" dirty="0">
+                          <a:solidFill>
+                            <a:srgbClr val="0070C0"/>
+                          </a:solidFill>
+                          <a:latin typeface="Titillium" charset="0"/>
+                          <a:ea typeface="Titillium Bd" charset="0"/>
+                          <a:cs typeface="Titillium Bd" charset="0"/>
+                        </a:rPr>
+                        <a:t>%)</a:t>
                       </a:r>
                     </a:p>
                   </a:txBody>
@@ -34642,15 +35005,81 @@
                         <a:defRPr/>
                       </a:pPr>
                       <a:r>
+                        <a:rPr lang="en-US" sz="1900" b="0" i="0" dirty="0">
+                          <a:solidFill>
+                            <a:srgbClr val="00B050"/>
+                          </a:solidFill>
+                          <a:latin typeface="Titillium" charset="0"/>
+                          <a:ea typeface="Titillium" charset="0"/>
+                          <a:cs typeface="Titillium" charset="0"/>
+                        </a:rPr>
+                        <a:t>(</a:t>
+                      </a:r>
+                      <a:r>
+                        <a:rPr lang="en-US" sz="1900" b="0" i="0" kern="1200" dirty="0">
+                          <a:solidFill>
+                            <a:srgbClr val="00B050"/>
+                          </a:solidFill>
+                          <a:latin typeface="Titillium" charset="0"/>
+                          <a:ea typeface="Titillium" charset="0"/>
+                          <a:cs typeface="Titillium" charset="0"/>
+                        </a:rPr>
+                        <a:t>74.93</a:t>
+                      </a:r>
+                      <a:r>
+                        <a:rPr lang="en-US" sz="1900" b="0" i="0" kern="1200" dirty="0">
+                          <a:solidFill>
+                            <a:srgbClr val="00B050"/>
+                          </a:solidFill>
+                          <a:latin typeface="Titillium" charset="0"/>
+                          <a:ea typeface="Titillium Bd" charset="0"/>
+                          <a:cs typeface="Titillium Bd" charset="0"/>
+                        </a:rPr>
+                        <a:t>%)</a:t>
+                      </a:r>
+                      <a:r>
                         <a:rPr lang="en-US" sz="1900" b="0" i="0" kern="1200" dirty="0">
                           <a:solidFill>
                             <a:schemeClr val="tx1"/>
                           </a:solidFill>
                           <a:latin typeface="Titillium" charset="0"/>
+                          <a:ea typeface="Titillium Bd" charset="0"/>
+                          <a:cs typeface="Titillium Bd" charset="0"/>
+                        </a:rPr>
+                        <a:t> </a:t>
+                      </a:r>
+                      <a:r>
+                        <a:rPr lang="en-US" sz="1900" b="0" i="0" dirty="0">
+                          <a:solidFill>
+                            <a:srgbClr val="0070C0"/>
+                          </a:solidFill>
+                          <a:latin typeface="Titillium" charset="0"/>
                           <a:ea typeface="Titillium" charset="0"/>
                           <a:cs typeface="Titillium" charset="0"/>
                         </a:rPr>
-                        <a:t>(86.77%)</a:t>
+                        <a:t>(</a:t>
+                      </a:r>
+                      <a:r>
+                        <a:rPr lang="en-US" sz="1900" b="0" i="0" kern="1200" dirty="0">
+                          <a:solidFill>
+                            <a:srgbClr val="0070C0"/>
+                          </a:solidFill>
+                          <a:latin typeface="Titillium" charset="0"/>
+                          <a:ea typeface="Titillium" charset="0"/>
+                          <a:cs typeface="Titillium" charset="0"/>
+                        </a:rPr>
+                        <a:t>86.45</a:t>
+                      </a:r>
+                      <a:r>
+                        <a:rPr lang="en-US" sz="1900" b="0" i="0" kern="1200" dirty="0">
+                          <a:solidFill>
+                            <a:srgbClr val="0070C0"/>
+                          </a:solidFill>
+                          <a:latin typeface="Titillium" charset="0"/>
+                          <a:ea typeface="Titillium Bd" charset="0"/>
+                          <a:cs typeface="Titillium Bd" charset="0"/>
+                        </a:rPr>
+                        <a:t>%)</a:t>
                       </a:r>
                     </a:p>
                   </a:txBody>
@@ -34861,7 +35290,7 @@
         <p:spPr>
           <a:xfrm>
             <a:off x="626883" y="2072112"/>
-            <a:ext cx="3255286" cy="4154984"/>
+            <a:ext cx="3255286" cy="4708981"/>
           </a:xfrm>
           <a:prstGeom prst="rect">
             <a:avLst/>
@@ -34890,7 +35319,7 @@
             </a:pPr>
             <a:r>
               <a:rPr lang="en-US" altLang="ja-JP" b="1" dirty="0"/>
-              <a:t>The Deep model with the trialwise training strategy performed best with 88.39% accuracy.</a:t>
+              <a:t>The Deep model with the trialwise training strategy performed best with 75.38% accuracy before finetune, and 88.39% accuracy after.</a:t>
             </a:r>
           </a:p>
           <a:p>
@@ -34900,19 +35329,8 @@
             </a:pPr>
             <a:r>
               <a:rPr lang="en-US" altLang="ja-JP" b="1" dirty="0"/>
-              <a:t>Chance level is 33%</a:t>
+              <a:t>SOTA method scored 69% accuracy before finetune and 72% accuracy after.</a:t>
             </a:r>
-          </a:p>
-          <a:p>
-            <a:pPr marL="514350" indent="-514350">
-              <a:buFont typeface="Arial" panose="020B0604020202020204" pitchFamily="34" charset="0"/>
-              <a:buChar char="•"/>
-            </a:pPr>
-            <a:endParaRPr lang="en-US" altLang="ja-JP" b="1" dirty="0">
-              <a:solidFill>
-                <a:srgbClr val="FF0000"/>
-              </a:solidFill>
-            </a:endParaRPr>
           </a:p>
           <a:p>
             <a:pPr marL="514350" indent="-514350">
@@ -34928,10 +35346,10 @@
       </p:sp>
       <p:pic>
         <p:nvPicPr>
-          <p:cNvPr id="3" name="תמונה 2">
+          <p:cNvPr id="4" name="תמונה 3">
             <a:extLst>
               <a:ext uri="{FF2B5EF4-FFF2-40B4-BE49-F238E27FC236}">
-                <a16:creationId xmlns:a16="http://schemas.microsoft.com/office/drawing/2014/main" id="{0D572AB0-F7A1-43B7-8291-985695ECCDAD}"/>
+                <a16:creationId xmlns:a16="http://schemas.microsoft.com/office/drawing/2014/main" id="{459E8320-8578-4360-B3EF-1094DF56CB72}"/>
               </a:ext>
             </a:extLst>
           </p:cNvPr>
@@ -34948,8 +35366,98 @@
         </p:blipFill>
         <p:spPr>
           <a:xfrm>
-            <a:off x="5109029" y="857831"/>
-            <a:ext cx="6904005" cy="5901107"/>
+            <a:off x="8592965" y="3887594"/>
+            <a:ext cx="3496029" cy="2870504"/>
+          </a:xfrm>
+          <a:prstGeom prst="rect">
+            <a:avLst/>
+          </a:prstGeom>
+        </p:spPr>
+      </p:pic>
+      <p:pic>
+        <p:nvPicPr>
+          <p:cNvPr id="9" name="תמונה 8">
+            <a:extLst>
+              <a:ext uri="{FF2B5EF4-FFF2-40B4-BE49-F238E27FC236}">
+                <a16:creationId xmlns:a16="http://schemas.microsoft.com/office/drawing/2014/main" id="{733D462E-AA9F-4E60-B49C-FDDBDE3EC8C5}"/>
+              </a:ext>
+            </a:extLst>
+          </p:cNvPr>
+          <p:cNvPicPr>
+            <a:picLocks noChangeAspect="1"/>
+          </p:cNvPicPr>
+          <p:nvPr/>
+        </p:nvPicPr>
+        <p:blipFill>
+          <a:blip r:embed="rId8"/>
+          <a:stretch>
+            <a:fillRect/>
+          </a:stretch>
+        </p:blipFill>
+        <p:spPr>
+          <a:xfrm>
+            <a:off x="8592964" y="879578"/>
+            <a:ext cx="3496029" cy="2870504"/>
+          </a:xfrm>
+          <a:prstGeom prst="rect">
+            <a:avLst/>
+          </a:prstGeom>
+        </p:spPr>
+      </p:pic>
+      <p:pic>
+        <p:nvPicPr>
+          <p:cNvPr id="11" name="תמונה 10">
+            <a:extLst>
+              <a:ext uri="{FF2B5EF4-FFF2-40B4-BE49-F238E27FC236}">
+                <a16:creationId xmlns:a16="http://schemas.microsoft.com/office/drawing/2014/main" id="{6A8CBA28-8598-4A23-B52F-C16D4BF5F68B}"/>
+              </a:ext>
+            </a:extLst>
+          </p:cNvPr>
+          <p:cNvPicPr>
+            <a:picLocks noChangeAspect="1"/>
+          </p:cNvPicPr>
+          <p:nvPr/>
+        </p:nvPicPr>
+        <p:blipFill>
+          <a:blip r:embed="rId9"/>
+          <a:stretch>
+            <a:fillRect/>
+          </a:stretch>
+        </p:blipFill>
+        <p:spPr>
+          <a:xfrm>
+            <a:off x="5096936" y="3887594"/>
+            <a:ext cx="3496029" cy="2870504"/>
+          </a:xfrm>
+          <a:prstGeom prst="rect">
+            <a:avLst/>
+          </a:prstGeom>
+        </p:spPr>
+      </p:pic>
+      <p:pic>
+        <p:nvPicPr>
+          <p:cNvPr id="13" name="תמונה 12">
+            <a:extLst>
+              <a:ext uri="{FF2B5EF4-FFF2-40B4-BE49-F238E27FC236}">
+                <a16:creationId xmlns:a16="http://schemas.microsoft.com/office/drawing/2014/main" id="{B4BDCFD4-EF80-445C-8F45-4714A396F0E2}"/>
+              </a:ext>
+            </a:extLst>
+          </p:cNvPr>
+          <p:cNvPicPr>
+            <a:picLocks noChangeAspect="1"/>
+          </p:cNvPicPr>
+          <p:nvPr/>
+        </p:nvPicPr>
+        <p:blipFill>
+          <a:blip r:embed="rId10"/>
+          <a:stretch>
+            <a:fillRect/>
+          </a:stretch>
+        </p:blipFill>
+        <p:spPr>
+          <a:xfrm>
+            <a:off x="5096936" y="879578"/>
+            <a:ext cx="3496029" cy="2870504"/>
           </a:xfrm>
           <a:prstGeom prst="rect">
             <a:avLst/>
@@ -35085,26 +35593,35 @@
                                   </p:childTnLst>
                                 </p:cTn>
                               </p:par>
-                            </p:childTnLst>
-                          </p:cTn>
-                        </p:par>
-                      </p:childTnLst>
-                    </p:cTn>
-                  </p:par>
-                  <p:par>
-                    <p:cTn id="13" fill="hold">
-                      <p:stCondLst>
-                        <p:cond delay="indefinite"/>
-                      </p:stCondLst>
-                      <p:childTnLst>
-                        <p:par>
-                          <p:cTn id="14" fill="hold">
-                            <p:stCondLst>
-                              <p:cond delay="0"/>
-                            </p:stCondLst>
-                            <p:childTnLst>
                               <p:par>
-                                <p:cTn id="15" presetID="1" presetClass="entr" presetSubtype="0" fill="hold" grpId="0" nodeType="clickEffect">
+                                <p:cTn id="13" presetID="1" presetClass="entr" presetSubtype="0" fill="hold" nodeType="withEffect">
+                                  <p:stCondLst>
+                                    <p:cond delay="0"/>
+                                  </p:stCondLst>
+                                  <p:childTnLst>
+                                    <p:set>
+                                      <p:cBhvr>
+                                        <p:cTn id="14" dur="1" fill="hold">
+                                          <p:stCondLst>
+                                            <p:cond delay="0"/>
+                                          </p:stCondLst>
+                                        </p:cTn>
+                                        <p:tgtEl>
+                                          <p:spTgt spid="13"/>
+                                        </p:tgtEl>
+                                        <p:attrNameLst>
+                                          <p:attrName>style.visibility</p:attrName>
+                                        </p:attrNameLst>
+                                      </p:cBhvr>
+                                      <p:to>
+                                        <p:strVal val="visible"/>
+                                      </p:to>
+                                    </p:set>
+                                  </p:childTnLst>
+                                </p:cTn>
+                              </p:par>
+                              <p:par>
+                                <p:cTn id="15" presetID="1" presetClass="entr" presetSubtype="0" fill="hold" nodeType="withEffect">
                                   <p:stCondLst>
                                     <p:cond delay="0"/>
                                   </p:stCondLst>
@@ -35117,11 +35634,7 @@
                                           </p:stCondLst>
                                         </p:cTn>
                                         <p:tgtEl>
-                                          <p:spTgt spid="8">
-                                            <p:txEl>
-                                              <p:pRg st="0" end="0"/>
-                                            </p:txEl>
-                                          </p:spTgt>
+                                          <p:spTgt spid="9"/>
                                         </p:tgtEl>
                                         <p:attrNameLst>
                                           <p:attrName>style.visibility</p:attrName>
@@ -35134,26 +35647,35 @@
                                   </p:childTnLst>
                                 </p:cTn>
                               </p:par>
-                            </p:childTnLst>
-                          </p:cTn>
-                        </p:par>
-                      </p:childTnLst>
-                    </p:cTn>
-                  </p:par>
-                  <p:par>
-                    <p:cTn id="17" fill="hold">
-                      <p:stCondLst>
-                        <p:cond delay="indefinite"/>
-                      </p:stCondLst>
-                      <p:childTnLst>
-                        <p:par>
-                          <p:cTn id="18" fill="hold">
-                            <p:stCondLst>
-                              <p:cond delay="0"/>
-                            </p:stCondLst>
-                            <p:childTnLst>
                               <p:par>
-                                <p:cTn id="19" presetID="1" presetClass="entr" presetSubtype="0" fill="hold" grpId="0" nodeType="clickEffect">
+                                <p:cTn id="17" presetID="1" presetClass="entr" presetSubtype="0" fill="hold" nodeType="withEffect">
+                                  <p:stCondLst>
+                                    <p:cond delay="0"/>
+                                  </p:stCondLst>
+                                  <p:childTnLst>
+                                    <p:set>
+                                      <p:cBhvr>
+                                        <p:cTn id="18" dur="1" fill="hold">
+                                          <p:stCondLst>
+                                            <p:cond delay="0"/>
+                                          </p:stCondLst>
+                                        </p:cTn>
+                                        <p:tgtEl>
+                                          <p:spTgt spid="4"/>
+                                        </p:tgtEl>
+                                        <p:attrNameLst>
+                                          <p:attrName>style.visibility</p:attrName>
+                                        </p:attrNameLst>
+                                      </p:cBhvr>
+                                      <p:to>
+                                        <p:strVal val="visible"/>
+                                      </p:to>
+                                    </p:set>
+                                  </p:childTnLst>
+                                </p:cTn>
+                              </p:par>
+                              <p:par>
+                                <p:cTn id="19" presetID="1" presetClass="entr" presetSubtype="0" fill="hold" nodeType="withEffect">
                                   <p:stCondLst>
                                     <p:cond delay="0"/>
                                   </p:stCondLst>
@@ -35166,11 +35688,7 @@
                                           </p:stCondLst>
                                         </p:cTn>
                                         <p:tgtEl>
-                                          <p:spTgt spid="8">
-                                            <p:txEl>
-                                              <p:pRg st="1" end="1"/>
-                                            </p:txEl>
-                                          </p:spTgt>
+                                          <p:spTgt spid="11"/>
                                         </p:tgtEl>
                                         <p:attrNameLst>
                                           <p:attrName>style.visibility</p:attrName>
@@ -35217,7 +35735,7 @@
                                         <p:tgtEl>
                                           <p:spTgt spid="8">
                                             <p:txEl>
-                                              <p:pRg st="2" end="2"/>
+                                              <p:pRg st="0" end="0"/>
                                             </p:txEl>
                                           </p:spTgt>
                                         </p:tgtEl>
@@ -35266,7 +35784,105 @@
                                         <p:tgtEl>
                                           <p:spTgt spid="8">
                                             <p:txEl>
-                                              <p:pRg st="4" end="4"/>
+                                              <p:pRg st="1" end="1"/>
+                                            </p:txEl>
+                                          </p:spTgt>
+                                        </p:tgtEl>
+                                        <p:attrNameLst>
+                                          <p:attrName>style.visibility</p:attrName>
+                                        </p:attrNameLst>
+                                      </p:cBhvr>
+                                      <p:to>
+                                        <p:strVal val="visible"/>
+                                      </p:to>
+                                    </p:set>
+                                  </p:childTnLst>
+                                </p:cTn>
+                              </p:par>
+                            </p:childTnLst>
+                          </p:cTn>
+                        </p:par>
+                      </p:childTnLst>
+                    </p:cTn>
+                  </p:par>
+                  <p:par>
+                    <p:cTn id="29" fill="hold">
+                      <p:stCondLst>
+                        <p:cond delay="indefinite"/>
+                      </p:stCondLst>
+                      <p:childTnLst>
+                        <p:par>
+                          <p:cTn id="30" fill="hold">
+                            <p:stCondLst>
+                              <p:cond delay="0"/>
+                            </p:stCondLst>
+                            <p:childTnLst>
+                              <p:par>
+                                <p:cTn id="31" presetID="1" presetClass="entr" presetSubtype="0" fill="hold" grpId="0" nodeType="clickEffect">
+                                  <p:stCondLst>
+                                    <p:cond delay="0"/>
+                                  </p:stCondLst>
+                                  <p:childTnLst>
+                                    <p:set>
+                                      <p:cBhvr>
+                                        <p:cTn id="32" dur="1" fill="hold">
+                                          <p:stCondLst>
+                                            <p:cond delay="0"/>
+                                          </p:stCondLst>
+                                        </p:cTn>
+                                        <p:tgtEl>
+                                          <p:spTgt spid="8">
+                                            <p:txEl>
+                                              <p:pRg st="2" end="2"/>
+                                            </p:txEl>
+                                          </p:spTgt>
+                                        </p:tgtEl>
+                                        <p:attrNameLst>
+                                          <p:attrName>style.visibility</p:attrName>
+                                        </p:attrNameLst>
+                                      </p:cBhvr>
+                                      <p:to>
+                                        <p:strVal val="visible"/>
+                                      </p:to>
+                                    </p:set>
+                                  </p:childTnLst>
+                                </p:cTn>
+                              </p:par>
+                            </p:childTnLst>
+                          </p:cTn>
+                        </p:par>
+                      </p:childTnLst>
+                    </p:cTn>
+                  </p:par>
+                  <p:par>
+                    <p:cTn id="33" fill="hold">
+                      <p:stCondLst>
+                        <p:cond delay="indefinite"/>
+                      </p:stCondLst>
+                      <p:childTnLst>
+                        <p:par>
+                          <p:cTn id="34" fill="hold">
+                            <p:stCondLst>
+                              <p:cond delay="0"/>
+                            </p:stCondLst>
+                            <p:childTnLst>
+                              <p:par>
+                                <p:cTn id="35" presetID="1" presetClass="entr" presetSubtype="0" fill="hold" grpId="0" nodeType="clickEffect">
+                                  <p:stCondLst>
+                                    <p:cond delay="0"/>
+                                  </p:stCondLst>
+                                  <p:childTnLst>
+                                    <p:set>
+                                      <p:cBhvr>
+                                        <p:cTn id="36" dur="1" fill="hold">
+                                          <p:stCondLst>
+                                            <p:cond delay="0"/>
+                                          </p:stCondLst>
+                                        </p:cTn>
+                                        <p:tgtEl>
+                                          <p:spTgt spid="8">
+                                            <p:txEl>
+                                              <p:pRg st="3" end="3"/>
                                             </p:txEl>
                                           </p:spTgt>
                                         </p:tgtEl>
@@ -35443,7 +36059,7 @@
           <p:nvPr>
             <p:extLst>
               <p:ext uri="{D42A27DB-BD31-4B8C-83A1-F6EECF244321}">
-                <p14:modId xmlns:p14="http://schemas.microsoft.com/office/powerpoint/2010/main" val="2540513440"/>
+                <p14:modId xmlns:p14="http://schemas.microsoft.com/office/powerpoint/2010/main" val="900023116"/>
               </p:ext>
             </p:extLst>
           </p:nvPr>
@@ -35705,9 +36321,9 @@
                         <a:defRPr/>
                       </a:pPr>
                       <a:r>
-                        <a:rPr lang="en-US" sz="2200" b="0" i="0" dirty="0">
+                        <a:rPr lang="en-US" sz="2400" b="1" i="0" u="none" dirty="0">
                           <a:solidFill>
-                            <a:schemeClr val="tx1"/>
+                            <a:srgbClr val="00B050"/>
                           </a:solidFill>
                           <a:latin typeface="Titillium" charset="0"/>
                           <a:ea typeface="Titillium" charset="0"/>
@@ -35716,7 +36332,29 @@
                         <a:t>(</a:t>
                       </a:r>
                       <a:r>
-                        <a:rPr lang="en-US" sz="2200" b="0" i="0" kern="1200" dirty="0">
+                        <a:rPr lang="en-US" sz="2400" b="1" i="0" u="none" kern="1200" dirty="0">
+                          <a:solidFill>
+                            <a:srgbClr val="00B050"/>
+                          </a:solidFill>
+                          <a:latin typeface="Titillium" charset="0"/>
+                          <a:ea typeface="Titillium" charset="0"/>
+                          <a:cs typeface="Titillium" charset="0"/>
+                        </a:rPr>
+                        <a:t>75.38</a:t>
+                      </a:r>
+                      <a:r>
+                        <a:rPr lang="en-US" sz="2400" b="1" i="0" u="none" kern="1200" dirty="0">
+                          <a:solidFill>
+                            <a:srgbClr val="00B050"/>
+                          </a:solidFill>
+                          <a:latin typeface="Titillium" charset="0"/>
+                          <a:ea typeface="Titillium Bd" charset="0"/>
+                          <a:cs typeface="Titillium Bd" charset="0"/>
+                        </a:rPr>
+                        <a:t>%)</a:t>
+                      </a:r>
+                      <a:r>
+                        <a:rPr lang="en-US" sz="2400" b="1" i="0" u="none" kern="1200" dirty="0">
                           <a:solidFill>
                             <a:schemeClr val="tx1"/>
                           </a:solidFill>
@@ -35724,7 +36362,40 @@
                           <a:ea typeface="Titillium Bd" charset="0"/>
                           <a:cs typeface="Titillium Bd" charset="0"/>
                         </a:rPr>
-                        <a:t>88.39%)</a:t>
+                        <a:t> </a:t>
+                      </a:r>
+                      <a:r>
+                        <a:rPr lang="en-US" sz="2400" b="1" i="0" u="none" dirty="0">
+                          <a:solidFill>
+                            <a:srgbClr val="0070C0"/>
+                          </a:solidFill>
+                          <a:latin typeface="Titillium" charset="0"/>
+                          <a:ea typeface="Titillium" charset="0"/>
+                          <a:cs typeface="Titillium" charset="0"/>
+                        </a:rPr>
+                        <a:t>(</a:t>
+                      </a:r>
+                      <a:r>
+                        <a:rPr lang="en-US" sz="2400" b="1" i="0" u="none" kern="1200" dirty="0">
+                          <a:solidFill>
+                            <a:srgbClr val="0070C0"/>
+                          </a:solidFill>
+                          <a:latin typeface="Titillium" charset="0"/>
+                          <a:ea typeface="Titillium" charset="0"/>
+                          <a:cs typeface="Titillium" charset="0"/>
+                        </a:rPr>
+                        <a:t>87.89</a:t>
+                      </a:r>
+                      <a:r>
+                        <a:rPr lang="en-US" sz="2400" b="1" i="0" u="none" kern="1200" dirty="0">
+                          <a:solidFill>
+                            <a:srgbClr val="0070C0"/>
+                          </a:solidFill>
+                          <a:latin typeface="Titillium" charset="0"/>
+                          <a:ea typeface="Titillium Bd" charset="0"/>
+                          <a:cs typeface="Titillium Bd" charset="0"/>
+                        </a:rPr>
+                        <a:t>%)</a:t>
                       </a:r>
                     </a:p>
                   </a:txBody>
@@ -36003,10 +36674,10 @@
       </p:sp>
       <p:pic>
         <p:nvPicPr>
-          <p:cNvPr id="2" name="תמונה 1">
+          <p:cNvPr id="4" name="תמונה 3">
             <a:extLst>
               <a:ext uri="{FF2B5EF4-FFF2-40B4-BE49-F238E27FC236}">
-                <a16:creationId xmlns:a16="http://schemas.microsoft.com/office/drawing/2014/main" id="{34577DB6-FBD5-471C-8750-4A1B2A83AB11}"/>
+                <a16:creationId xmlns:a16="http://schemas.microsoft.com/office/drawing/2014/main" id="{13146068-BA2A-4593-9DCC-3AAA105E8276}"/>
               </a:ext>
             </a:extLst>
           </p:cNvPr>
@@ -36023,8 +36694,8 @@
         </p:blipFill>
         <p:spPr>
           <a:xfrm>
-            <a:off x="8523288" y="2447636"/>
-            <a:ext cx="3281058" cy="3548743"/>
+            <a:off x="8287656" y="2245870"/>
+            <a:ext cx="3853005" cy="3759460"/>
           </a:xfrm>
           <a:prstGeom prst="rect">
             <a:avLst/>
@@ -36160,6 +36831,33 @@
                                   </p:childTnLst>
                                 </p:cTn>
                               </p:par>
+                              <p:par>
+                                <p:cTn id="13" presetID="1" presetClass="entr" presetSubtype="0" fill="hold" nodeType="withEffect">
+                                  <p:stCondLst>
+                                    <p:cond delay="0"/>
+                                  </p:stCondLst>
+                                  <p:childTnLst>
+                                    <p:set>
+                                      <p:cBhvr>
+                                        <p:cTn id="14" dur="1" fill="hold">
+                                          <p:stCondLst>
+                                            <p:cond delay="0"/>
+                                          </p:stCondLst>
+                                        </p:cTn>
+                                        <p:tgtEl>
+                                          <p:spTgt spid="4"/>
+                                        </p:tgtEl>
+                                        <p:attrNameLst>
+                                          <p:attrName>style.visibility</p:attrName>
+                                        </p:attrNameLst>
+                                      </p:cBhvr>
+                                      <p:to>
+                                        <p:strVal val="visible"/>
+                                      </p:to>
+                                    </p:set>
+                                  </p:childTnLst>
+                                </p:cTn>
+                              </p:par>
                             </p:childTnLst>
                           </p:cTn>
                         </p:par>
@@ -36167,26 +36865,26 @@
                     </p:cTn>
                   </p:par>
                   <p:par>
-                    <p:cTn id="13" fill="hold">
+                    <p:cTn id="15" fill="hold">
                       <p:stCondLst>
                         <p:cond delay="indefinite"/>
                       </p:stCondLst>
                       <p:childTnLst>
                         <p:par>
-                          <p:cTn id="14" fill="hold">
+                          <p:cTn id="16" fill="hold">
                             <p:stCondLst>
                               <p:cond delay="0"/>
                             </p:stCondLst>
                             <p:childTnLst>
                               <p:par>
-                                <p:cTn id="15" presetID="1" presetClass="entr" presetSubtype="0" fill="hold" nodeType="clickEffect">
+                                <p:cTn id="17" presetID="1" presetClass="entr" presetSubtype="0" fill="hold" nodeType="clickEffect">
                                   <p:stCondLst>
                                     <p:cond delay="0"/>
                                   </p:stCondLst>
                                   <p:childTnLst>
                                     <p:set>
                                       <p:cBhvr>
-                                        <p:cTn id="16" dur="1" fill="hold">
+                                        <p:cTn id="18" dur="1" fill="hold">
                                           <p:stCondLst>
                                             <p:cond delay="0"/>
                                           </p:stCondLst>
@@ -36206,14 +36904,14 @@
                                 </p:cTn>
                               </p:par>
                               <p:par>
-                                <p:cTn id="17" presetID="1" presetClass="entr" presetSubtype="0" fill="hold" grpId="0" nodeType="withEffect">
+                                <p:cTn id="19" presetID="1" presetClass="entr" presetSubtype="0" fill="hold" grpId="0" nodeType="withEffect">
                                   <p:stCondLst>
                                     <p:cond delay="0"/>
                                   </p:stCondLst>
                                   <p:childTnLst>
                                     <p:set>
                                       <p:cBhvr>
-                                        <p:cTn id="18" dur="1" fill="hold">
+                                        <p:cTn id="20" dur="1" fill="hold">
                                           <p:stCondLst>
                                             <p:cond delay="0"/>
                                           </p:stCondLst>
@@ -36239,26 +36937,26 @@
                     </p:cTn>
                   </p:par>
                   <p:par>
-                    <p:cTn id="19" fill="hold">
+                    <p:cTn id="21" fill="hold">
                       <p:stCondLst>
                         <p:cond delay="indefinite"/>
                       </p:stCondLst>
                       <p:childTnLst>
                         <p:par>
-                          <p:cTn id="20" fill="hold">
+                          <p:cTn id="22" fill="hold">
                             <p:stCondLst>
                               <p:cond delay="0"/>
                             </p:stCondLst>
                             <p:childTnLst>
                               <p:par>
-                                <p:cTn id="21" presetID="1" presetClass="entr" presetSubtype="0" fill="hold" nodeType="clickEffect">
+                                <p:cTn id="23" presetID="1" presetClass="entr" presetSubtype="0" fill="hold" nodeType="clickEffect">
                                   <p:stCondLst>
                                     <p:cond delay="0"/>
                                   </p:stCondLst>
                                   <p:childTnLst>
                                     <p:set>
                                       <p:cBhvr>
-                                        <p:cTn id="22" dur="1" fill="hold">
+                                        <p:cTn id="24" dur="1" fill="hold">
                                           <p:stCondLst>
                                             <p:cond delay="0"/>
                                           </p:stCondLst>
@@ -36278,14 +36976,14 @@
                                 </p:cTn>
                               </p:par>
                               <p:par>
-                                <p:cTn id="23" presetID="1" presetClass="entr" presetSubtype="0" fill="hold" grpId="0" nodeType="withEffect">
+                                <p:cTn id="25" presetID="1" presetClass="entr" presetSubtype="0" fill="hold" grpId="0" nodeType="withEffect">
                                   <p:stCondLst>
                                     <p:cond delay="0"/>
                                   </p:stCondLst>
                                   <p:childTnLst>
                                     <p:set>
                                       <p:cBhvr>
-                                        <p:cTn id="24" dur="1" fill="hold">
+                                        <p:cTn id="26" dur="1" fill="hold">
                                           <p:stCondLst>
                                             <p:cond delay="0"/>
                                           </p:stCondLst>
